--- a/JJ's C++ notes.pptx
+++ b/JJ's C++ notes.pptx
@@ -9433,7 +9433,7 @@
                 <a:latin typeface="Courier New" panose="02070309020205020404" pitchFamily="49" charset="0"/>
                 <a:cs typeface="Courier New" panose="02070309020205020404" pitchFamily="49" charset="0"/>
               </a:rPr>
-              <a:t>    explicit Employee(std::string employeeId, std::string firstName, std::string lastName);</a:t>
+              <a:t>    Employee(std::string employeeId, std::string firstName, std::string lastName);</a:t>
             </a:r>
             <a:br>
               <a:rPr lang="en-US" altLang="zh-TW" sz="1400" dirty="0">
@@ -9585,7 +9585,7 @@
                 <a:latin typeface="Courier New" panose="02070309020205020404" pitchFamily="49" charset="0"/>
                 <a:cs typeface="Courier New" panose="02070309020205020404" pitchFamily="49" charset="0"/>
               </a:rPr>
-              <a:t>    explicit Employee(const std::string&amp; employeeId, const std::string&amp; firstName, const std::string&amp; lastName);</a:t>
+              <a:t>    Employee(const std::string&amp; employeeId, const std::string&amp; firstName, const std::string&amp; lastName);</a:t>
             </a:r>
             <a:br>
               <a:rPr lang="en-US" altLang="zh-TW" sz="1300" dirty="0">
@@ -9606,7 +9606,7 @@
                 <a:latin typeface="Courier New" panose="02070309020205020404" pitchFamily="49" charset="0"/>
                 <a:cs typeface="Courier New" panose="02070309020205020404" pitchFamily="49" charset="0"/>
               </a:rPr>
-              <a:t>    explicit Employee(</a:t>
+              <a:t>    Employee(</a:t>
             </a:r>
             <a:r>
               <a:rPr lang="en-US" altLang="zh-TW" sz="1300" dirty="0">
@@ -9649,7 +9649,7 @@
                 <a:latin typeface="Courier New" panose="02070309020205020404" pitchFamily="49" charset="0"/>
                 <a:cs typeface="Courier New" panose="02070309020205020404" pitchFamily="49" charset="0"/>
               </a:rPr>
-              <a:t>    explicit Employee(const std::string&amp; employeeId, </a:t>
+              <a:t>    Employee(const std::string&amp; employeeId, </a:t>
             </a:r>
             <a:r>
               <a:rPr lang="en-US" altLang="zh-TW" sz="1300" dirty="0">
@@ -9692,7 +9692,7 @@
                 <a:latin typeface="Courier New" panose="02070309020205020404" pitchFamily="49" charset="0"/>
                 <a:cs typeface="Courier New" panose="02070309020205020404" pitchFamily="49" charset="0"/>
               </a:rPr>
-              <a:t>    explicit Employee(</a:t>
+              <a:t>    Employee(</a:t>
             </a:r>
             <a:r>
               <a:rPr lang="en-US" altLang="zh-TW" sz="1300" dirty="0">
@@ -9735,7 +9735,7 @@
                 <a:latin typeface="Courier New" panose="02070309020205020404" pitchFamily="49" charset="0"/>
                 <a:cs typeface="Courier New" panose="02070309020205020404" pitchFamily="49" charset="0"/>
               </a:rPr>
-              <a:t>    explicit Employee(const std::string&amp; employeeId, const std::string&amp; firstName, </a:t>
+              <a:t>    Employee(const std::string&amp; employeeId, const std::string&amp; firstName, </a:t>
             </a:r>
             <a:r>
               <a:rPr lang="en-US" altLang="zh-TW" sz="1300" dirty="0">
@@ -9778,7 +9778,7 @@
                 <a:latin typeface="Courier New" panose="02070309020205020404" pitchFamily="49" charset="0"/>
                 <a:cs typeface="Courier New" panose="02070309020205020404" pitchFamily="49" charset="0"/>
               </a:rPr>
-              <a:t>    explicit Employee(</a:t>
+              <a:t>    Employee(</a:t>
             </a:r>
             <a:r>
               <a:rPr lang="en-US" altLang="zh-TW" sz="1300" dirty="0">
@@ -9843,7 +9843,7 @@
                 <a:latin typeface="Courier New" panose="02070309020205020404" pitchFamily="49" charset="0"/>
                 <a:cs typeface="Courier New" panose="02070309020205020404" pitchFamily="49" charset="0"/>
               </a:rPr>
-              <a:t>    explicit Employee(const std::string&amp; employeeId, </a:t>
+              <a:t>    Employee(const std::string&amp; employeeId, </a:t>
             </a:r>
             <a:r>
               <a:rPr lang="en-US" altLang="zh-TW" sz="1300" dirty="0">
@@ -9886,7 +9886,7 @@
                 <a:latin typeface="Courier New" panose="02070309020205020404" pitchFamily="49" charset="0"/>
                 <a:cs typeface="Courier New" panose="02070309020205020404" pitchFamily="49" charset="0"/>
               </a:rPr>
-              <a:t>    explicit Employee(</a:t>
+              <a:t>    Employee(</a:t>
             </a:r>
             <a:r>
               <a:rPr lang="en-US" altLang="zh-TW" sz="1300" dirty="0">
@@ -14024,13 +14024,7 @@
           <a:p>
             <a:r>
               <a:rPr lang="en-US" altLang="zh-TW" dirty="0"/>
-              <a:t>Blocked Programming Example </a:t>
-            </a:r>
-            <a:r>
-              <a:rPr lang="en-US" altLang="zh-TW" dirty="0">
-                <a:sym typeface="Wingdings" panose="05000000000000000000" pitchFamily="2" charset="2"/>
-              </a:rPr>
-              <a:t></a:t>
+              <a:t>Monitor</a:t>
             </a:r>
             <a:endParaRPr lang="en-US" dirty="0"/>
           </a:p>
@@ -18521,7 +18515,7 @@
           <a:p>
             <a:r>
               <a:rPr lang="en-US" altLang="zh-TW" dirty="0"/>
-              <a:t>Blocked Programming Example </a:t>
+              <a:t>Monitor</a:t>
             </a:r>
             <a:endParaRPr lang="en-US" dirty="0"/>
           </a:p>
@@ -21183,7 +21177,7 @@
           <a:p>
             <a:r>
               <a:rPr lang="en-US" altLang="zh-TW" dirty="0"/>
-              <a:t>Blocked Programming Example </a:t>
+              <a:t>Monitor</a:t>
             </a:r>
             <a:endParaRPr lang="en-US" dirty="0"/>
           </a:p>
@@ -26902,7 +26896,7 @@
                 <a:latin typeface="Courier New" panose="02070309020205020404" pitchFamily="49" charset="0"/>
                 <a:cs typeface="Courier New" panose="02070309020205020404" pitchFamily="49" charset="0"/>
               </a:rPr>
-              <a:t>題目為一個好幾</a:t>
+              <a:t>我們面對的問題為一個好幾</a:t>
             </a:r>
             <a:r>
               <a:rPr lang="en-US" altLang="zh-TW" dirty="0">
